--- a/src/modelProjects/Demo/The Modelling Process.pptx
+++ b/src/modelProjects/Demo/The Modelling Process.pptx
@@ -5,7 +5,7 @@
     <p:sldMasterId id="2147483648" r:id="rId1"/>
   </p:sldMasterIdLst>
   <p:notesMasterIdLst>
-    <p:notesMasterId r:id="rId7"/>
+    <p:notesMasterId r:id="rId8"/>
   </p:notesMasterIdLst>
   <p:sldIdLst>
     <p:sldId id="276" r:id="rId2"/>
@@ -13,6 +13,7 @@
     <p:sldId id="325" r:id="rId4"/>
     <p:sldId id="323" r:id="rId5"/>
     <p:sldId id="326" r:id="rId6"/>
+    <p:sldId id="327" r:id="rId7"/>
   </p:sldIdLst>
   <p:sldSz cx="12192000" cy="6858000"/>
   <p:notesSz cx="6858000" cy="9144000"/>
@@ -7402,6 +7403,442 @@
     <p:extLst>
       <p:ext uri="{BB962C8B-B14F-4D97-AF65-F5344CB8AC3E}">
         <p14:creationId xmlns:p14="http://schemas.microsoft.com/office/powerpoint/2010/main" val="4126760716"/>
+      </p:ext>
+    </p:extLst>
+  </p:cSld>
+  <p:clrMapOvr>
+    <a:masterClrMapping/>
+  </p:clrMapOvr>
+</p:sld>
+</file>
+
+<file path=ppt/slides/slide6.xml><?xml version="1.0" encoding="utf-8"?>
+<p:sld xmlns:a="http://schemas.openxmlformats.org/drawingml/2006/main" xmlns:r="http://schemas.openxmlformats.org/officeDocument/2006/relationships" xmlns:p="http://schemas.openxmlformats.org/presentationml/2006/main">
+  <p:cSld>
+    <p:spTree>
+      <p:nvGrpSpPr>
+        <p:cNvPr id="1" name=""/>
+        <p:cNvGrpSpPr/>
+        <p:nvPr/>
+      </p:nvGrpSpPr>
+      <p:grpSpPr>
+        <a:xfrm>
+          <a:off x="0" y="0"/>
+          <a:ext cx="0" cy="0"/>
+          <a:chOff x="0" y="0"/>
+          <a:chExt cx="0" cy="0"/>
+        </a:xfrm>
+      </p:grpSpPr>
+      <p:sp>
+        <p:nvSpPr>
+          <p:cNvPr id="2" name="Tittel 1">
+            <a:extLst>
+              <a:ext uri="{FF2B5EF4-FFF2-40B4-BE49-F238E27FC236}">
+                <a16:creationId xmlns:a16="http://schemas.microsoft.com/office/drawing/2014/main" id="{E6094CBE-1E32-9C4A-AB23-536982579E61}"/>
+              </a:ext>
+            </a:extLst>
+          </p:cNvPr>
+          <p:cNvSpPr>
+            <a:spLocks noGrp="1"/>
+          </p:cNvSpPr>
+          <p:nvPr>
+            <p:ph type="title"/>
+          </p:nvPr>
+        </p:nvSpPr>
+        <p:spPr/>
+        <p:txBody>
+          <a:bodyPr>
+            <a:normAutofit/>
+          </a:bodyPr>
+          <a:lstStyle/>
+          <a:p>
+            <a:pPr algn="ctr"/>
+            <a:r>
+              <a:rPr lang="nb-NO" sz="4000" dirty="0" err="1"/>
+              <a:t>Importing</a:t>
+            </a:r>
+            <a:r>
+              <a:rPr lang="nb-NO" sz="4000" dirty="0"/>
+              <a:t> OSDU data </a:t>
+            </a:r>
+            <a:r>
+              <a:rPr lang="nb-NO" sz="4000" dirty="0" err="1"/>
+              <a:t>definitions</a:t>
+            </a:r>
+            <a:r>
+              <a:rPr lang="nb-NO" sz="4000" dirty="0"/>
+              <a:t> </a:t>
+            </a:r>
+            <a:r>
+              <a:rPr lang="nb-NO" sz="4000" dirty="0" err="1"/>
+              <a:t>into</a:t>
+            </a:r>
+            <a:r>
+              <a:rPr lang="nb-NO" sz="4000" dirty="0"/>
+              <a:t> AKMM</a:t>
+            </a:r>
+          </a:p>
+        </p:txBody>
+      </p:sp>
+      <p:grpSp>
+        <p:nvGrpSpPr>
+          <p:cNvPr id="6" name="Gruppe 5">
+            <a:extLst>
+              <a:ext uri="{FF2B5EF4-FFF2-40B4-BE49-F238E27FC236}">
+                <a16:creationId xmlns:a16="http://schemas.microsoft.com/office/drawing/2014/main" id="{C6C4B19D-3C83-BF42-BA01-E67BACCB82AC}"/>
+              </a:ext>
+            </a:extLst>
+          </p:cNvPr>
+          <p:cNvGrpSpPr/>
+          <p:nvPr/>
+        </p:nvGrpSpPr>
+        <p:grpSpPr>
+          <a:xfrm>
+            <a:off x="1248936" y="2842407"/>
+            <a:ext cx="2419815" cy="2965157"/>
+            <a:chOff x="5129560" y="3031978"/>
+            <a:chExt cx="2419815" cy="2965157"/>
+          </a:xfrm>
+        </p:grpSpPr>
+        <p:sp>
+          <p:nvSpPr>
+            <p:cNvPr id="4" name="Smultring 3">
+              <a:extLst>
+                <a:ext uri="{FF2B5EF4-FFF2-40B4-BE49-F238E27FC236}">
+                  <a16:creationId xmlns:a16="http://schemas.microsoft.com/office/drawing/2014/main" id="{A08802AA-BE3E-B945-8ECB-E50E5D949748}"/>
+                </a:ext>
+              </a:extLst>
+            </p:cNvPr>
+            <p:cNvSpPr/>
+            <p:nvPr/>
+          </p:nvSpPr>
+          <p:spPr>
+            <a:xfrm>
+              <a:off x="5404046" y="3031978"/>
+              <a:ext cx="1870841" cy="1797269"/>
+            </a:xfrm>
+            <a:prstGeom prst="donut">
+              <a:avLst>
+                <a:gd name="adj" fmla="val 1595"/>
+              </a:avLst>
+            </a:prstGeom>
+          </p:spPr>
+          <p:style>
+            <a:lnRef idx="2">
+              <a:schemeClr val="accent1">
+                <a:shade val="50000"/>
+              </a:schemeClr>
+            </a:lnRef>
+            <a:fillRef idx="1">
+              <a:schemeClr val="accent1"/>
+            </a:fillRef>
+            <a:effectRef idx="0">
+              <a:schemeClr val="accent1"/>
+            </a:effectRef>
+            <a:fontRef idx="minor">
+              <a:schemeClr val="lt1"/>
+            </a:fontRef>
+          </p:style>
+          <p:txBody>
+            <a:bodyPr rtlCol="0" anchor="ctr"/>
+            <a:lstStyle/>
+            <a:p>
+              <a:pPr algn="ctr"/>
+              <a:endParaRPr lang="nb-NO" dirty="0">
+                <a:solidFill>
+                  <a:schemeClr val="tx1"/>
+                </a:solidFill>
+              </a:endParaRPr>
+            </a:p>
+          </p:txBody>
+        </p:sp>
+        <p:sp>
+          <p:nvSpPr>
+            <p:cNvPr id="5" name="TekstSylinder 4">
+              <a:extLst>
+                <a:ext uri="{FF2B5EF4-FFF2-40B4-BE49-F238E27FC236}">
+                  <a16:creationId xmlns:a16="http://schemas.microsoft.com/office/drawing/2014/main" id="{3579453F-BCC4-6A48-BF93-50E562DDE55B}"/>
+                </a:ext>
+              </a:extLst>
+            </p:cNvPr>
+            <p:cNvSpPr txBox="1"/>
+            <p:nvPr/>
+          </p:nvSpPr>
+          <p:spPr>
+            <a:xfrm>
+              <a:off x="5129560" y="5073805"/>
+              <a:ext cx="2419815" cy="923330"/>
+            </a:xfrm>
+            <a:prstGeom prst="rect">
+              <a:avLst/>
+            </a:prstGeom>
+            <a:noFill/>
+          </p:spPr>
+          <p:txBody>
+            <a:bodyPr wrap="square" lIns="90000" rtlCol="0">
+              <a:spAutoFit/>
+            </a:bodyPr>
+            <a:lstStyle/>
+            <a:p>
+              <a:pPr algn="ctr"/>
+              <a:r>
+                <a:rPr lang="nb-NO" dirty="0"/>
+                <a:t>OSDU Data Definitions</a:t>
+              </a:r>
+            </a:p>
+            <a:p>
+              <a:r>
+                <a:rPr lang="nb-NO" dirty="0"/>
+                <a:t>       («</a:t>
+              </a:r>
+              <a:r>
+                <a:rPr lang="nb-NO" dirty="0" err="1"/>
+                <a:t>Metamodel</a:t>
+              </a:r>
+              <a:r>
+                <a:rPr lang="nb-NO" dirty="0"/>
+                <a:t>»)</a:t>
+              </a:r>
+            </a:p>
+            <a:p>
+              <a:r>
+                <a:rPr lang="nb-NO" dirty="0"/>
+                <a:t>              </a:t>
+              </a:r>
+              <a:r>
+                <a:rPr lang="nb-NO" dirty="0" err="1"/>
+                <a:t>json</a:t>
+              </a:r>
+              <a:r>
+                <a:rPr lang="nb-NO" dirty="0"/>
+                <a:t> files</a:t>
+              </a:r>
+            </a:p>
+          </p:txBody>
+        </p:sp>
+      </p:grpSp>
+      <p:grpSp>
+        <p:nvGrpSpPr>
+          <p:cNvPr id="7" name="Gruppe 6">
+            <a:extLst>
+              <a:ext uri="{FF2B5EF4-FFF2-40B4-BE49-F238E27FC236}">
+                <a16:creationId xmlns:a16="http://schemas.microsoft.com/office/drawing/2014/main" id="{64C7B854-E837-A441-BED3-321E233FE3BE}"/>
+              </a:ext>
+            </a:extLst>
+          </p:cNvPr>
+          <p:cNvGrpSpPr/>
+          <p:nvPr/>
+        </p:nvGrpSpPr>
+        <p:grpSpPr>
+          <a:xfrm>
+            <a:off x="7313343" y="2842407"/>
+            <a:ext cx="2419815" cy="2965157"/>
+            <a:chOff x="5129560" y="3031978"/>
+            <a:chExt cx="2419815" cy="2965157"/>
+          </a:xfrm>
+        </p:grpSpPr>
+        <p:sp>
+          <p:nvSpPr>
+            <p:cNvPr id="8" name="Smultring 7">
+              <a:extLst>
+                <a:ext uri="{FF2B5EF4-FFF2-40B4-BE49-F238E27FC236}">
+                  <a16:creationId xmlns:a16="http://schemas.microsoft.com/office/drawing/2014/main" id="{D34A4AEA-762B-0144-9707-C6003F1E765B}"/>
+                </a:ext>
+              </a:extLst>
+            </p:cNvPr>
+            <p:cNvSpPr/>
+            <p:nvPr/>
+          </p:nvSpPr>
+          <p:spPr>
+            <a:xfrm>
+              <a:off x="5404046" y="3031978"/>
+              <a:ext cx="1870841" cy="1797269"/>
+            </a:xfrm>
+            <a:prstGeom prst="donut">
+              <a:avLst>
+                <a:gd name="adj" fmla="val 1595"/>
+              </a:avLst>
+            </a:prstGeom>
+          </p:spPr>
+          <p:style>
+            <a:lnRef idx="2">
+              <a:schemeClr val="accent1">
+                <a:shade val="50000"/>
+              </a:schemeClr>
+            </a:lnRef>
+            <a:fillRef idx="1">
+              <a:schemeClr val="accent1"/>
+            </a:fillRef>
+            <a:effectRef idx="0">
+              <a:schemeClr val="accent1"/>
+            </a:effectRef>
+            <a:fontRef idx="minor">
+              <a:schemeClr val="lt1"/>
+            </a:fontRef>
+          </p:style>
+          <p:txBody>
+            <a:bodyPr rtlCol="0" anchor="ctr"/>
+            <a:lstStyle/>
+            <a:p>
+              <a:pPr algn="ctr"/>
+              <a:endParaRPr lang="nb-NO" dirty="0">
+                <a:solidFill>
+                  <a:schemeClr val="tx1"/>
+                </a:solidFill>
+              </a:endParaRPr>
+            </a:p>
+          </p:txBody>
+        </p:sp>
+        <p:sp>
+          <p:nvSpPr>
+            <p:cNvPr id="9" name="TekstSylinder 8">
+              <a:extLst>
+                <a:ext uri="{FF2B5EF4-FFF2-40B4-BE49-F238E27FC236}">
+                  <a16:creationId xmlns:a16="http://schemas.microsoft.com/office/drawing/2014/main" id="{C5CB876C-7554-2A4F-8D97-C2648B9CE6F3}"/>
+                </a:ext>
+              </a:extLst>
+            </p:cNvPr>
+            <p:cNvSpPr txBox="1"/>
+            <p:nvPr/>
+          </p:nvSpPr>
+          <p:spPr>
+            <a:xfrm>
+              <a:off x="5129560" y="5073805"/>
+              <a:ext cx="2419815" cy="923330"/>
+            </a:xfrm>
+            <a:prstGeom prst="rect">
+              <a:avLst/>
+            </a:prstGeom>
+            <a:noFill/>
+          </p:spPr>
+          <p:txBody>
+            <a:bodyPr wrap="square" lIns="90000" rtlCol="0">
+              <a:spAutoFit/>
+            </a:bodyPr>
+            <a:lstStyle/>
+            <a:p>
+              <a:pPr algn="ctr"/>
+              <a:r>
+                <a:rPr lang="nb-NO" dirty="0"/>
+                <a:t>AKMM </a:t>
+              </a:r>
+            </a:p>
+            <a:p>
+              <a:pPr algn="ctr"/>
+              <a:r>
+                <a:rPr lang="nb-NO" dirty="0"/>
+                <a:t>     OSDU </a:t>
+              </a:r>
+              <a:r>
+                <a:rPr lang="nb-NO" dirty="0" err="1"/>
+                <a:t>Metamodel</a:t>
+              </a:r>
+              <a:endParaRPr lang="nb-NO" dirty="0"/>
+            </a:p>
+            <a:p>
+              <a:pPr algn="ctr"/>
+              <a:r>
+                <a:rPr lang="nb-NO" dirty="0" err="1"/>
+                <a:t>json</a:t>
+              </a:r>
+              <a:r>
+                <a:rPr lang="nb-NO" dirty="0"/>
+                <a:t> files</a:t>
+              </a:r>
+            </a:p>
+          </p:txBody>
+        </p:sp>
+      </p:grpSp>
+      <p:sp>
+        <p:nvSpPr>
+          <p:cNvPr id="10" name="Pil høyre 9">
+            <a:extLst>
+              <a:ext uri="{FF2B5EF4-FFF2-40B4-BE49-F238E27FC236}">
+                <a16:creationId xmlns:a16="http://schemas.microsoft.com/office/drawing/2014/main" id="{EF90DDA6-4928-1B43-BE0D-5440D943D905}"/>
+              </a:ext>
+            </a:extLst>
+          </p:cNvPr>
+          <p:cNvSpPr/>
+          <p:nvPr/>
+        </p:nvSpPr>
+        <p:spPr>
+          <a:xfrm>
+            <a:off x="4236534" y="3585020"/>
+            <a:ext cx="2509024" cy="312041"/>
+          </a:xfrm>
+          <a:prstGeom prst="rightArrow">
+            <a:avLst/>
+          </a:prstGeom>
+        </p:spPr>
+        <p:style>
+          <a:lnRef idx="2">
+            <a:schemeClr val="accent1">
+              <a:shade val="50000"/>
+            </a:schemeClr>
+          </a:lnRef>
+          <a:fillRef idx="1">
+            <a:schemeClr val="accent1"/>
+          </a:fillRef>
+          <a:effectRef idx="0">
+            <a:schemeClr val="accent1"/>
+          </a:effectRef>
+          <a:fontRef idx="minor">
+            <a:schemeClr val="lt1"/>
+          </a:fontRef>
+        </p:style>
+        <p:txBody>
+          <a:bodyPr rtlCol="0" anchor="ctr"/>
+          <a:lstStyle/>
+          <a:p>
+            <a:pPr algn="ctr"/>
+            <a:endParaRPr lang="nb-NO"/>
+          </a:p>
+        </p:txBody>
+      </p:sp>
+      <p:sp>
+        <p:nvSpPr>
+          <p:cNvPr id="11" name="TekstSylinder 10">
+            <a:extLst>
+              <a:ext uri="{FF2B5EF4-FFF2-40B4-BE49-F238E27FC236}">
+                <a16:creationId xmlns:a16="http://schemas.microsoft.com/office/drawing/2014/main" id="{BCAA122B-9BEC-3D44-88FE-BB81DA8DF00F}"/>
+              </a:ext>
+            </a:extLst>
+          </p:cNvPr>
+          <p:cNvSpPr txBox="1"/>
+          <p:nvPr/>
+        </p:nvSpPr>
+        <p:spPr>
+          <a:xfrm>
+            <a:off x="4236534" y="3077737"/>
+            <a:ext cx="2387290" cy="369332"/>
+          </a:xfrm>
+          <a:prstGeom prst="rect">
+            <a:avLst/>
+          </a:prstGeom>
+          <a:noFill/>
+        </p:spPr>
+        <p:txBody>
+          <a:bodyPr wrap="square" rtlCol="0">
+            <a:spAutoFit/>
+          </a:bodyPr>
+          <a:lstStyle/>
+          <a:p>
+            <a:r>
+              <a:rPr lang="nb-NO" dirty="0"/>
+              <a:t>Import and </a:t>
+            </a:r>
+            <a:r>
+              <a:rPr lang="nb-NO" dirty="0" err="1"/>
+              <a:t>postprocess</a:t>
+            </a:r>
+            <a:endParaRPr lang="nb-NO" dirty="0"/>
+          </a:p>
+        </p:txBody>
+      </p:sp>
+    </p:spTree>
+    <p:extLst>
+      <p:ext uri="{BB962C8B-B14F-4D97-AF65-F5344CB8AC3E}">
+        <p14:creationId xmlns:p14="http://schemas.microsoft.com/office/powerpoint/2010/main" val="3237287227"/>
       </p:ext>
     </p:extLst>
   </p:cSld>
